--- a/Sunum.pptx
+++ b/Sunum.pptx
@@ -263,7 +263,7 @@
           <a:p>
             <a:fld id="{0B0371AF-15B4-40C6-B81B-7E082DD150C5}" type="datetimeFigureOut">
               <a:rPr lang="tr-TR" smtClean="0"/>
-              <a:t>23.4.2023</a:t>
+              <a:t>23.04.2023</a:t>
             </a:fld>
             <a:endParaRPr lang="tr-TR"/>
           </a:p>
@@ -433,7 +433,7 @@
           <a:p>
             <a:fld id="{0B0371AF-15B4-40C6-B81B-7E082DD150C5}" type="datetimeFigureOut">
               <a:rPr lang="tr-TR" smtClean="0"/>
-              <a:t>23.4.2023</a:t>
+              <a:t>23.04.2023</a:t>
             </a:fld>
             <a:endParaRPr lang="tr-TR"/>
           </a:p>
@@ -613,7 +613,7 @@
           <a:p>
             <a:fld id="{0B0371AF-15B4-40C6-B81B-7E082DD150C5}" type="datetimeFigureOut">
               <a:rPr lang="tr-TR" smtClean="0"/>
-              <a:t>23.4.2023</a:t>
+              <a:t>23.04.2023</a:t>
             </a:fld>
             <a:endParaRPr lang="tr-TR"/>
           </a:p>
@@ -783,7 +783,7 @@
           <a:p>
             <a:fld id="{0B0371AF-15B4-40C6-B81B-7E082DD150C5}" type="datetimeFigureOut">
               <a:rPr lang="tr-TR" smtClean="0"/>
-              <a:t>23.4.2023</a:t>
+              <a:t>23.04.2023</a:t>
             </a:fld>
             <a:endParaRPr lang="tr-TR"/>
           </a:p>
@@ -1029,7 +1029,7 @@
           <a:p>
             <a:fld id="{0B0371AF-15B4-40C6-B81B-7E082DD150C5}" type="datetimeFigureOut">
               <a:rPr lang="tr-TR" smtClean="0"/>
-              <a:t>23.4.2023</a:t>
+              <a:t>23.04.2023</a:t>
             </a:fld>
             <a:endParaRPr lang="tr-TR"/>
           </a:p>
@@ -1261,7 +1261,7 @@
           <a:p>
             <a:fld id="{0B0371AF-15B4-40C6-B81B-7E082DD150C5}" type="datetimeFigureOut">
               <a:rPr lang="tr-TR" smtClean="0"/>
-              <a:t>23.4.2023</a:t>
+              <a:t>23.04.2023</a:t>
             </a:fld>
             <a:endParaRPr lang="tr-TR"/>
           </a:p>
@@ -1628,7 +1628,7 @@
           <a:p>
             <a:fld id="{0B0371AF-15B4-40C6-B81B-7E082DD150C5}" type="datetimeFigureOut">
               <a:rPr lang="tr-TR" smtClean="0"/>
-              <a:t>23.4.2023</a:t>
+              <a:t>23.04.2023</a:t>
             </a:fld>
             <a:endParaRPr lang="tr-TR"/>
           </a:p>
@@ -1746,7 +1746,7 @@
           <a:p>
             <a:fld id="{0B0371AF-15B4-40C6-B81B-7E082DD150C5}" type="datetimeFigureOut">
               <a:rPr lang="tr-TR" smtClean="0"/>
-              <a:t>23.4.2023</a:t>
+              <a:t>23.04.2023</a:t>
             </a:fld>
             <a:endParaRPr lang="tr-TR"/>
           </a:p>
@@ -1841,7 +1841,7 @@
           <a:p>
             <a:fld id="{0B0371AF-15B4-40C6-B81B-7E082DD150C5}" type="datetimeFigureOut">
               <a:rPr lang="tr-TR" smtClean="0"/>
-              <a:t>23.4.2023</a:t>
+              <a:t>23.04.2023</a:t>
             </a:fld>
             <a:endParaRPr lang="tr-TR"/>
           </a:p>
@@ -2118,7 +2118,7 @@
           <a:p>
             <a:fld id="{0B0371AF-15B4-40C6-B81B-7E082DD150C5}" type="datetimeFigureOut">
               <a:rPr lang="tr-TR" smtClean="0"/>
-              <a:t>23.4.2023</a:t>
+              <a:t>23.04.2023</a:t>
             </a:fld>
             <a:endParaRPr lang="tr-TR"/>
           </a:p>
@@ -2371,7 +2371,7 @@
           <a:p>
             <a:fld id="{0B0371AF-15B4-40C6-B81B-7E082DD150C5}" type="datetimeFigureOut">
               <a:rPr lang="tr-TR" smtClean="0"/>
-              <a:t>23.4.2023</a:t>
+              <a:t>23.04.2023</a:t>
             </a:fld>
             <a:endParaRPr lang="tr-TR"/>
           </a:p>
@@ -2584,7 +2584,7 @@
           <a:p>
             <a:fld id="{0B0371AF-15B4-40C6-B81B-7E082DD150C5}" type="datetimeFigureOut">
               <a:rPr lang="tr-TR" smtClean="0"/>
-              <a:t>23.4.2023</a:t>
+              <a:t>23.04.2023</a:t>
             </a:fld>
             <a:endParaRPr lang="tr-TR"/>
           </a:p>
@@ -3420,16 +3420,11 @@
               <a:rPr lang="tr-TR" dirty="0" smtClean="0"/>
               <a:t>Görüntü kaynakları</a:t>
             </a:r>
-            <a:endParaRPr lang="tr-TR" dirty="0" smtClean="0"/>
-          </a:p>
-          <a:p>
-            <a:r>
-              <a:rPr lang="tr-TR" dirty="0" smtClean="0"/>
-              <a:t>Görüntünün </a:t>
-            </a:r>
-            <a:r>
-              <a:rPr lang="tr-TR" dirty="0" smtClean="0"/>
-              <a:t>İşlenmesi</a:t>
+          </a:p>
+          <a:p>
+            <a:r>
+              <a:rPr lang="tr-TR" dirty="0" smtClean="0"/>
+              <a:t>Görüntünün İşlenmesi</a:t>
             </a:r>
           </a:p>
           <a:p>
@@ -3443,7 +3438,6 @@
               <a:rPr lang="tr-TR" dirty="0" smtClean="0"/>
               <a:t>Yer istasyonu bağlantısı</a:t>
             </a:r>
-            <a:endParaRPr lang="tr-TR" dirty="0" smtClean="0"/>
           </a:p>
         </p:txBody>
       </p:sp>
@@ -3540,6 +3534,47 @@
           </a:p>
         </p:txBody>
       </p:sp>
+      <p:pic>
+        <p:nvPicPr>
+          <p:cNvPr id="3074" name="Picture 2" descr="Python (programming language) - Wikipedia"/>
+          <p:cNvPicPr>
+            <a:picLocks noChangeAspect="1" noChangeArrowheads="1"/>
+          </p:cNvPicPr>
+          <p:nvPr/>
+        </p:nvPicPr>
+        <p:blipFill>
+          <a:blip r:embed="rId2" cstate="print">
+            <a:extLst>
+              <a:ext uri="{28A0092B-C50C-407E-A947-70E740481C1C}">
+                <a14:useLocalDpi xmlns:a14="http://schemas.microsoft.com/office/drawing/2010/main" val="0"/>
+              </a:ext>
+            </a:extLst>
+          </a:blip>
+          <a:srcRect/>
+          <a:stretch>
+            <a:fillRect/>
+          </a:stretch>
+        </p:blipFill>
+        <p:spPr bwMode="auto">
+          <a:xfrm>
+            <a:off x="10152523" y="5150277"/>
+            <a:ext cx="1201277" cy="1316399"/>
+          </a:xfrm>
+          <a:prstGeom prst="rect">
+            <a:avLst/>
+          </a:prstGeom>
+          <a:noFill/>
+          <a:extLst>
+            <a:ext uri="{909E8E84-426E-40DD-AFC4-6F175D3DCCD1}">
+              <a14:hiddenFill xmlns:a14="http://schemas.microsoft.com/office/drawing/2010/main">
+                <a:solidFill>
+                  <a:srgbClr val="FFFFFF"/>
+                </a:solidFill>
+              </a14:hiddenFill>
+            </a:ext>
+          </a:extLst>
+        </p:spPr>
+      </p:pic>
     </p:spTree>
     <p:extLst>
       <p:ext uri="{BB962C8B-B14F-4D97-AF65-F5344CB8AC3E}">
@@ -4272,6 +4307,13 @@
   <p:clrMapOvr>
     <a:masterClrMapping/>
   </p:clrMapOvr>
+  <p:timing>
+    <p:tnLst>
+      <p:par>
+        <p:cTn id="1" dur="indefinite" restart="never" nodeType="tmRoot"/>
+      </p:par>
+    </p:tnLst>
+  </p:timing>
 </p:sld>
 </file>
 
@@ -4389,6 +4431,13 @@
   <p:clrMapOvr>
     <a:masterClrMapping/>
   </p:clrMapOvr>
+  <p:timing>
+    <p:tnLst>
+      <p:par>
+        <p:cTn id="1" dur="indefinite" restart="never" nodeType="tmRoot"/>
+      </p:par>
+    </p:tnLst>
+  </p:timing>
 </p:sld>
 </file>
 
@@ -4469,6 +4518,13 @@
   <p:clrMapOvr>
     <a:masterClrMapping/>
   </p:clrMapOvr>
+  <p:timing>
+    <p:tnLst>
+      <p:par>
+        <p:cTn id="1" dur="indefinite" restart="never" nodeType="tmRoot"/>
+      </p:par>
+    </p:tnLst>
+  </p:timing>
 </p:sld>
 </file>
 
@@ -4668,11 +4724,97 @@
             </a:r>
             <a:r>
               <a:rPr lang="tr-TR" dirty="0" smtClean="0"/>
-              <a:t> takip edilebilmesi ve yönetilebilmesi</a:t>
-            </a:r>
-          </a:p>
-        </p:txBody>
-      </p:sp>
+              <a:t> takip edilebilmesi ve </a:t>
+            </a:r>
+            <a:r>
+              <a:rPr lang="tr-TR" dirty="0" smtClean="0"/>
+              <a:t>yönetilebilmesi</a:t>
+            </a:r>
+          </a:p>
+        </p:txBody>
+      </p:sp>
+      <p:pic>
+        <p:nvPicPr>
+          <p:cNvPr id="2052" name="Picture 4" descr="Ground station - Wikipedia"/>
+          <p:cNvPicPr>
+            <a:picLocks noChangeAspect="1" noChangeArrowheads="1"/>
+          </p:cNvPicPr>
+          <p:nvPr/>
+        </p:nvPicPr>
+        <p:blipFill>
+          <a:blip r:embed="rId2">
+            <a:extLst>
+              <a:ext uri="{28A0092B-C50C-407E-A947-70E740481C1C}">
+                <a14:useLocalDpi xmlns:a14="http://schemas.microsoft.com/office/drawing/2010/main" val="0"/>
+              </a:ext>
+            </a:extLst>
+          </a:blip>
+          <a:srcRect/>
+          <a:stretch>
+            <a:fillRect/>
+          </a:stretch>
+        </p:blipFill>
+        <p:spPr bwMode="auto">
+          <a:xfrm>
+            <a:off x="9734550" y="677069"/>
+            <a:ext cx="1619250" cy="2162176"/>
+          </a:xfrm>
+          <a:prstGeom prst="rect">
+            <a:avLst/>
+          </a:prstGeom>
+          <a:noFill/>
+          <a:extLst>
+            <a:ext uri="{909E8E84-426E-40DD-AFC4-6F175D3DCCD1}">
+              <a14:hiddenFill xmlns:a14="http://schemas.microsoft.com/office/drawing/2010/main">
+                <a:solidFill>
+                  <a:srgbClr val="FFFFFF"/>
+                </a:solidFill>
+              </a14:hiddenFill>
+            </a:ext>
+          </a:extLst>
+        </p:spPr>
+      </p:pic>
+      <p:pic>
+        <p:nvPicPr>
+          <p:cNvPr id="2054" name="Picture 6" descr="Mission Planner Overview — Mission Planner documentation"/>
+          <p:cNvPicPr>
+            <a:picLocks noChangeAspect="1" noChangeArrowheads="1"/>
+          </p:cNvPicPr>
+          <p:nvPr/>
+        </p:nvPicPr>
+        <p:blipFill>
+          <a:blip r:embed="rId3">
+            <a:extLst>
+              <a:ext uri="{28A0092B-C50C-407E-A947-70E740481C1C}">
+                <a14:useLocalDpi xmlns:a14="http://schemas.microsoft.com/office/drawing/2010/main" val="0"/>
+              </a:ext>
+            </a:extLst>
+          </a:blip>
+          <a:srcRect/>
+          <a:stretch>
+            <a:fillRect/>
+          </a:stretch>
+        </p:blipFill>
+        <p:spPr bwMode="auto">
+          <a:xfrm>
+            <a:off x="6130950" y="3241510"/>
+            <a:ext cx="5222850" cy="3175493"/>
+          </a:xfrm>
+          <a:prstGeom prst="rect">
+            <a:avLst/>
+          </a:prstGeom>
+          <a:noFill/>
+          <a:extLst>
+            <a:ext uri="{909E8E84-426E-40DD-AFC4-6F175D3DCCD1}">
+              <a14:hiddenFill xmlns:a14="http://schemas.microsoft.com/office/drawing/2010/main">
+                <a:solidFill>
+                  <a:srgbClr val="FFFFFF"/>
+                </a:solidFill>
+              </a14:hiddenFill>
+            </a:ext>
+          </a:extLst>
+        </p:spPr>
+      </p:pic>
     </p:spTree>
     <p:extLst>
       <p:ext uri="{BB962C8B-B14F-4D97-AF65-F5344CB8AC3E}">
@@ -4683,6 +4825,13 @@
   <p:clrMapOvr>
     <a:masterClrMapping/>
   </p:clrMapOvr>
+  <p:timing>
+    <p:tnLst>
+      <p:par>
+        <p:cTn id="1" dur="indefinite" restart="never" nodeType="tmRoot"/>
+      </p:par>
+    </p:tnLst>
+  </p:timing>
 </p:sld>
 </file>
 
@@ -4718,6 +4867,10 @@
           <a:bodyPr/>
           <a:lstStyle/>
           <a:p>
+            <a:r>
+              <a:rPr lang="tr-TR" dirty="0" smtClean="0"/>
+              <a:t>Yer İstasyonunun Geliştirilme Süreci</a:t>
+            </a:r>
             <a:endParaRPr lang="tr-TR" dirty="0"/>
           </a:p>
         </p:txBody>
@@ -4737,10 +4890,61 @@
           <a:bodyPr/>
           <a:lstStyle/>
           <a:p>
-            <a:endParaRPr lang="tr-TR"/>
-          </a:p>
-        </p:txBody>
-      </p:sp>
+            <a:r>
+              <a:rPr lang="tr-TR" dirty="0" err="1" smtClean="0"/>
+              <a:t>Arayüz</a:t>
+            </a:r>
+            <a:endParaRPr lang="tr-TR" dirty="0" smtClean="0"/>
+          </a:p>
+          <a:p>
+            <a:r>
+              <a:rPr lang="tr-TR" dirty="0" smtClean="0"/>
+              <a:t>Sunucu &amp; İstemci bağlantısı</a:t>
+            </a:r>
+          </a:p>
+        </p:txBody>
+      </p:sp>
+      <p:pic>
+        <p:nvPicPr>
+          <p:cNvPr id="1026" name="Picture 2" descr="TCP vs UDP: What's the Difference • TornadoTwistar Gaming"/>
+          <p:cNvPicPr>
+            <a:picLocks noChangeAspect="1" noChangeArrowheads="1"/>
+          </p:cNvPicPr>
+          <p:nvPr/>
+        </p:nvPicPr>
+        <p:blipFill>
+          <a:blip r:embed="rId2">
+            <a:extLst>
+              <a:ext uri="{28A0092B-C50C-407E-A947-70E740481C1C}">
+                <a14:useLocalDpi xmlns:a14="http://schemas.microsoft.com/office/drawing/2010/main" val="0"/>
+              </a:ext>
+            </a:extLst>
+          </a:blip>
+          <a:srcRect/>
+          <a:stretch>
+            <a:fillRect/>
+          </a:stretch>
+        </p:blipFill>
+        <p:spPr bwMode="auto">
+          <a:xfrm>
+            <a:off x="4380734" y="4001294"/>
+            <a:ext cx="7162800" cy="2514600"/>
+          </a:xfrm>
+          <a:prstGeom prst="rect">
+            <a:avLst/>
+          </a:prstGeom>
+          <a:noFill/>
+          <a:extLst>
+            <a:ext uri="{909E8E84-426E-40DD-AFC4-6F175D3DCCD1}">
+              <a14:hiddenFill xmlns:a14="http://schemas.microsoft.com/office/drawing/2010/main">
+                <a:solidFill>
+                  <a:srgbClr val="FFFFFF"/>
+                </a:solidFill>
+              </a14:hiddenFill>
+            </a:ext>
+          </a:extLst>
+        </p:spPr>
+      </p:pic>
     </p:spTree>
     <p:extLst>
       <p:ext uri="{BB962C8B-B14F-4D97-AF65-F5344CB8AC3E}">
@@ -4751,6 +4955,13 @@
   <p:clrMapOvr>
     <a:masterClrMapping/>
   </p:clrMapOvr>
+  <p:timing>
+    <p:tnLst>
+      <p:par>
+        <p:cTn id="1" dur="indefinite" restart="never" nodeType="tmRoot"/>
+      </p:par>
+    </p:tnLst>
+  </p:timing>
 </p:sld>
 </file>
 
@@ -5122,7 +5333,11 @@
           <a:p>
             <a:r>
               <a:rPr lang="tr-TR" dirty="0" smtClean="0"/>
-              <a:t>Dışarıya bağımsız yerli simülasyon ihtiyacı</a:t>
+              <a:t>Yerli </a:t>
+            </a:r>
+            <a:r>
+              <a:rPr lang="tr-TR" dirty="0" smtClean="0"/>
+              <a:t>simülasyon ihtiyacı</a:t>
             </a:r>
           </a:p>
           <a:p>
